--- a/Papers/Novel/Max-Plus Network Simulation.pptx
+++ b/Papers/Novel/Max-Plus Network Simulation.pptx
@@ -289,7 +289,7 @@
           <a:p>
             <a:fld id="{1160EA64-D806-43AC-9DF2-F8C432F32B4C}" type="datetimeFigureOut">
               <a:rPr lang="en-US" dirty="0"/>
-              <a:t>12/7/21</a:t>
+              <a:t>12/8/21</a:t>
             </a:fld>
             <a:endParaRPr lang="en-US" dirty="0"/>
           </a:p>
@@ -455,7 +455,7 @@
           <a:p>
             <a:fld id="{E9F9C37B-1D36-470B-8223-D6C91242EC14}" type="datetimeFigureOut">
               <a:rPr lang="en-US" dirty="0"/>
-              <a:t>12/7/21</a:t>
+              <a:t>12/8/21</a:t>
             </a:fld>
             <a:endParaRPr lang="en-US" dirty="0"/>
           </a:p>
@@ -630,7 +630,7 @@
           <a:p>
             <a:fld id="{67C6F52A-A82B-47A2-A83A-8C4C91F2D59F}" type="datetimeFigureOut">
               <a:rPr lang="en-US" dirty="0"/>
-              <a:t>12/7/21</a:t>
+              <a:t>12/8/21</a:t>
             </a:fld>
             <a:endParaRPr lang="en-US" dirty="0"/>
           </a:p>
@@ -795,7 +795,7 @@
           <a:p>
             <a:fld id="{F070A7B3-6521-4DCA-87E5-044747A908C1}" type="datetimeFigureOut">
               <a:rPr lang="en-US" dirty="0"/>
-              <a:t>12/7/21</a:t>
+              <a:t>12/8/21</a:t>
             </a:fld>
             <a:endParaRPr lang="en-US" dirty="0"/>
           </a:p>
@@ -1059,7 +1059,7 @@
           <a:p>
             <a:fld id="{1160EA64-D806-43AC-9DF2-F8C432F32B4C}" type="datetimeFigureOut">
               <a:rPr lang="en-US" dirty="0"/>
-              <a:t>12/7/21</a:t>
+              <a:t>12/8/21</a:t>
             </a:fld>
             <a:endParaRPr lang="en-US" dirty="0"/>
           </a:p>
@@ -1287,7 +1287,7 @@
           <a:p>
             <a:fld id="{AB134690-1557-4C89-A502-4959FE7FAD70}" type="datetimeFigureOut">
               <a:rPr lang="en-US" dirty="0"/>
-              <a:t>12/7/21</a:t>
+              <a:t>12/8/21</a:t>
             </a:fld>
             <a:endParaRPr lang="en-US" dirty="0"/>
           </a:p>
@@ -1641,7 +1641,7 @@
           <a:p>
             <a:fld id="{4F7D4976-E339-4826-83B7-FBD03F55ECF8}" type="datetimeFigureOut">
               <a:rPr lang="en-US" dirty="0"/>
-              <a:t>12/7/21</a:t>
+              <a:t>12/8/21</a:t>
             </a:fld>
             <a:endParaRPr lang="en-US" dirty="0"/>
           </a:p>
@@ -1777,7 +1777,7 @@
           <a:p>
             <a:fld id="{E1037C31-9E7A-4F99-8774-A0E530DE1A42}" type="datetimeFigureOut">
               <a:rPr lang="en-US" dirty="0"/>
-              <a:t>12/7/21</a:t>
+              <a:t>12/8/21</a:t>
             </a:fld>
             <a:endParaRPr lang="en-US" dirty="0"/>
           </a:p>
@@ -1867,7 +1867,7 @@
           <a:p>
             <a:fld id="{C278504F-A551-4DE0-9316-4DCD1D8CC752}" type="datetimeFigureOut">
               <a:rPr lang="en-US" dirty="0"/>
-              <a:t>12/7/21</a:t>
+              <a:t>12/8/21</a:t>
             </a:fld>
             <a:endParaRPr lang="en-US" dirty="0"/>
           </a:p>
@@ -2219,7 +2219,7 @@
           <a:p>
             <a:fld id="{D1BE4249-C0D0-4B06-8692-E8BB871AF643}" type="datetimeFigureOut">
               <a:rPr lang="en-US" dirty="0"/>
-              <a:t>12/7/21</a:t>
+              <a:t>12/8/21</a:t>
             </a:fld>
             <a:endParaRPr lang="en-US" dirty="0"/>
           </a:p>
@@ -2571,7 +2571,7 @@
           <a:p>
             <a:fld id="{042B0DB6-F5C7-45FB-8CF3-31B45F9C2DAC}" type="datetimeFigureOut">
               <a:rPr lang="en-US" dirty="0"/>
-              <a:t>12/7/21</a:t>
+              <a:t>12/8/21</a:t>
             </a:fld>
             <a:endParaRPr lang="en-US" dirty="0"/>
           </a:p>
@@ -2808,7 +2808,7 @@
           <a:p>
             <a:fld id="{1160EA64-D806-43AC-9DF2-F8C432F32B4C}" type="datetimeFigureOut">
               <a:rPr lang="en-US" dirty="0"/>
-              <a:t>12/7/21</a:t>
+              <a:t>12/8/21</a:t>
             </a:fld>
             <a:endParaRPr lang="en-US" dirty="0"/>
           </a:p>
